--- a/Day 9-10/Slides/10. Understanding Test Results, Logs and Custom Error Handling/understanding-test-results-logs-and-custom-error-handling-slides.pptx
+++ b/Day 9-10/Slides/10. Understanding Test Results, Logs and Custom Error Handling/understanding-test-results-logs-and-custom-error-handling-slides.pptx
@@ -2721,8 +2721,8 @@
         </p:nvSpPr>
         <p:spPr>
           <a:xfrm>
-            <a:off x="7315200" y="342900"/>
-            <a:ext cx="10854055" cy="9697720"/>
+            <a:off x="7315200" y="38100"/>
+            <a:ext cx="10854055" cy="10140950"/>
           </a:xfrm>
           <a:prstGeom prst="rect">
             <a:avLst/>
@@ -3092,6 +3092,38 @@
               <a:t>Capturing Uncaught Exceptions</a:t>
             </a:r>
             <a:endParaRPr sz="3600" b="1" spc="-30" dirty="0">
+              <a:solidFill>
+                <a:srgbClr val="FF1675"/>
+              </a:solidFill>
+              <a:latin typeface="Arial" panose="020B0604020202020204"/>
+              <a:cs typeface="Arial" panose="020B0604020202020204"/>
+            </a:endParaRPr>
+          </a:p>
+          <a:p>
+            <a:pPr marL="12700" indent="457200" algn="l">
+              <a:lnSpc>
+                <a:spcPct val="100000"/>
+              </a:lnSpc>
+              <a:spcBef>
+                <a:spcPts val="100"/>
+              </a:spcBef>
+              <a:buClrTx/>
+              <a:buSzTx/>
+              <a:buFontTx/>
+              <a:buNone/>
+            </a:pPr>
+            <a:r>
+              <a:rPr sz="2800" b="1" spc="-30" dirty="0">
+                <a:solidFill>
+                  <a:srgbClr val="FF1675"/>
+                </a:solidFill>
+                <a:latin typeface="Arial" panose="020B0604020202020204"/>
+                <a:cs typeface="Arial" panose="020B0604020202020204"/>
+                <a:sym typeface="+mn-ea"/>
+              </a:rPr>
+              <a:t>- Implementing the Exception Listener</a:t>
+            </a:r>
+            <a:endParaRPr sz="2800" b="1" spc="-30" dirty="0">
               <a:solidFill>
                 <a:srgbClr val="FF1675"/>
               </a:solidFill>
@@ -4557,7 +4589,7 @@
                 <a:latin typeface="Arial" panose="020B0604020202020204"/>
                 <a:cs typeface="Arial" panose="020B0604020202020204"/>
               </a:rPr>
-              <a:t>roactively address issues, </a:t>
+              <a:t>roactively address issues</a:t>
             </a:r>
             <a:endParaRPr sz="3600" b="1" dirty="0">
               <a:solidFill>
